--- a/Review 1.pptx
+++ b/Review 1.pptx
@@ -7144,8 +7144,8 @@
         </p:nvSpPr>
         <p:spPr>
           <a:xfrm>
-            <a:off x="3096375" y="1385475"/>
-            <a:ext cx="2951400" cy="1584300"/>
+            <a:off x="3096260" y="1385570"/>
+            <a:ext cx="2951480" cy="1755775"/>
           </a:xfrm>
           <a:prstGeom prst="rect">
             <a:avLst/>
@@ -7167,8 +7167,8 @@
               <a:buNone/>
             </a:pPr>
             <a:r>
-              <a:rPr lang="en-GB"/>
-              <a:t>Piece of Cake</a:t>
+              <a:rPr lang="en-IN" altLang="en-GB"/>
+              <a:t>Cakes and Bakes</a:t>
             </a:r>
             <a:endParaRPr lang="en-GB"/>
           </a:p>
